--- a/6. Decision Trees and Random Forest/Random Forest.pptx
+++ b/6. Decision Trees and Random Forest/Random Forest.pptx
@@ -210,7 +210,7 @@
           <a:p>
             <a:fld id="{4EB26B05-8AC1-4E0B-A3B8-236B9C8A91A0}" type="datetimeFigureOut">
               <a:rPr lang="en-CA" smtClean="0"/>
-              <a:t>2018-12-29</a:t>
+              <a:t>2020-01-17</a:t>
             </a:fld>
             <a:endParaRPr lang="en-CA"/>
           </a:p>
@@ -926,7 +926,7 @@
           <a:p>
             <a:fld id="{F7F5A5AA-69D5-4933-A4C2-31B04EBDF0FE}" type="datetime1">
               <a:rPr lang="en-US" smtClean="0"/>
-              <a:t>12/29/2018</a:t>
+              <a:t>1/17/2020</a:t>
             </a:fld>
             <a:endParaRPr lang="en-US"/>
           </a:p>
@@ -1096,7 +1096,7 @@
           <a:p>
             <a:fld id="{9D3398E5-BC60-4CD4-9104-1F07995282A6}" type="datetime1">
               <a:rPr lang="en-US" smtClean="0"/>
-              <a:t>12/29/2018</a:t>
+              <a:t>1/17/2020</a:t>
             </a:fld>
             <a:endParaRPr lang="en-US"/>
           </a:p>
@@ -1276,7 +1276,7 @@
           <a:p>
             <a:fld id="{9ED436BF-9F11-40A1-9525-9D44733D4299}" type="datetime1">
               <a:rPr lang="en-US" smtClean="0"/>
-              <a:t>12/29/2018</a:t>
+              <a:t>1/17/2020</a:t>
             </a:fld>
             <a:endParaRPr lang="en-US"/>
           </a:p>
@@ -1476,7 +1476,7 @@
           <a:p>
             <a:fld id="{8EA19B2C-F822-4B41-BDDD-C06B398C8A0D}" type="datetime1">
               <a:rPr lang="en-US" smtClean="0"/>
-              <a:t>12/29/2018</a:t>
+              <a:t>1/17/2020</a:t>
             </a:fld>
             <a:endParaRPr lang="en-US"/>
           </a:p>
@@ -1722,7 +1722,7 @@
           <a:p>
             <a:fld id="{48C3A7D8-BC2E-4C3C-AD3E-1EC25EC7A93D}" type="datetime1">
               <a:rPr lang="en-US" smtClean="0"/>
-              <a:t>12/29/2018</a:t>
+              <a:t>1/17/2020</a:t>
             </a:fld>
             <a:endParaRPr lang="en-US"/>
           </a:p>
@@ -2010,7 +2010,7 @@
           <a:p>
             <a:fld id="{2DA5FBF4-B0A3-4B72-AC23-4A5CD24F3750}" type="datetime1">
               <a:rPr lang="en-US" smtClean="0"/>
-              <a:t>12/29/2018</a:t>
+              <a:t>1/17/2020</a:t>
             </a:fld>
             <a:endParaRPr lang="en-US"/>
           </a:p>
@@ -2432,7 +2432,7 @@
           <a:p>
             <a:fld id="{AC95F765-66F6-4919-A445-096E89A7BAAB}" type="datetime1">
               <a:rPr lang="en-US" smtClean="0"/>
-              <a:t>12/29/2018</a:t>
+              <a:t>1/17/2020</a:t>
             </a:fld>
             <a:endParaRPr lang="en-US"/>
           </a:p>
@@ -2550,7 +2550,7 @@
           <a:p>
             <a:fld id="{F41A1BFB-0BCA-43B7-BD7B-39CEB48F2525}" type="datetime1">
               <a:rPr lang="en-US" smtClean="0"/>
-              <a:t>12/29/2018</a:t>
+              <a:t>1/17/2020</a:t>
             </a:fld>
             <a:endParaRPr lang="en-US"/>
           </a:p>
@@ -2645,7 +2645,7 @@
           <a:p>
             <a:fld id="{929343F5-0288-47DD-B910-BC1133EE387E}" type="datetime1">
               <a:rPr lang="en-US" smtClean="0"/>
-              <a:t>12/29/2018</a:t>
+              <a:t>1/17/2020</a:t>
             </a:fld>
             <a:endParaRPr lang="en-US"/>
           </a:p>
@@ -2922,7 +2922,7 @@
           <a:p>
             <a:fld id="{1257B485-DB6D-4EC3-86C8-B75072A9223B}" type="datetime1">
               <a:rPr lang="en-US" smtClean="0"/>
-              <a:t>12/29/2018</a:t>
+              <a:t>1/17/2020</a:t>
             </a:fld>
             <a:endParaRPr lang="en-US"/>
           </a:p>
@@ -3175,7 +3175,7 @@
           <a:p>
             <a:fld id="{197407D9-D71E-483A-93A9-094E0F2BD74E}" type="datetime1">
               <a:rPr lang="en-US" smtClean="0"/>
-              <a:t>12/29/2018</a:t>
+              <a:t>1/17/2020</a:t>
             </a:fld>
             <a:endParaRPr lang="en-US"/>
           </a:p>
@@ -3388,7 +3388,7 @@
           <a:p>
             <a:fld id="{05F486B8-69E9-40D6-90A8-99105F74591D}" type="datetime1">
               <a:rPr lang="en-US" smtClean="0"/>
-              <a:t>12/29/2018</a:t>
+              <a:t>1/17/2020</a:t>
             </a:fld>
             <a:endParaRPr lang="en-US"/>
           </a:p>
@@ -3914,36 +3914,6 @@
           </a:p>
         </p:txBody>
       </p:sp>
-      <p:pic>
-        <p:nvPicPr>
-          <p:cNvPr id="5" name="Picture 4"/>
-          <p:cNvPicPr>
-            <a:picLocks noChangeAspect="1"/>
-          </p:cNvPicPr>
-          <p:nvPr/>
-        </p:nvPicPr>
-        <p:blipFill>
-          <a:blip r:embed="rId3" cstate="print">
-            <a:extLst>
-              <a:ext uri="{28A0092B-C50C-407E-A947-70E740481C1C}">
-                <a14:useLocalDpi xmlns:a14="http://schemas.microsoft.com/office/drawing/2010/main" val="0"/>
-              </a:ext>
-            </a:extLst>
-          </a:blip>
-          <a:stretch>
-            <a:fillRect/>
-          </a:stretch>
-        </p:blipFill>
-        <p:spPr>
-          <a:xfrm>
-            <a:off x="10183836" y="46470"/>
-            <a:ext cx="1918332" cy="1172730"/>
-          </a:xfrm>
-          <a:prstGeom prst="rect">
-            <a:avLst/>
-          </a:prstGeom>
-        </p:spPr>
-      </p:pic>
       <p:sp>
         <p:nvSpPr>
           <p:cNvPr id="174" name="Rounded Rectangle 173"/>
@@ -6208,36 +6178,6 @@
           </a:p>
         </p:txBody>
       </p:sp>
-      <p:pic>
-        <p:nvPicPr>
-          <p:cNvPr id="5" name="Picture 4"/>
-          <p:cNvPicPr>
-            <a:picLocks noChangeAspect="1"/>
-          </p:cNvPicPr>
-          <p:nvPr/>
-        </p:nvPicPr>
-        <p:blipFill>
-          <a:blip r:embed="rId3" cstate="print">
-            <a:extLst>
-              <a:ext uri="{28A0092B-C50C-407E-A947-70E740481C1C}">
-                <a14:useLocalDpi xmlns:a14="http://schemas.microsoft.com/office/drawing/2010/main" val="0"/>
-              </a:ext>
-            </a:extLst>
-          </a:blip>
-          <a:stretch>
-            <a:fillRect/>
-          </a:stretch>
-        </p:blipFill>
-        <p:spPr>
-          <a:xfrm>
-            <a:off x="10183836" y="46470"/>
-            <a:ext cx="1918332" cy="1172730"/>
-          </a:xfrm>
-          <a:prstGeom prst="rect">
-            <a:avLst/>
-          </a:prstGeom>
-        </p:spPr>
-      </p:pic>
       <p:sp>
         <p:nvSpPr>
           <p:cNvPr id="2" name="Rounded Rectangle 1"/>
@@ -7172,16 +7112,7 @@
                 </a:solidFill>
                 <a:latin typeface="Calibri Light" panose="020F0302020204030204"/>
               </a:rPr>
-              <a:t>ADDITIONAL </a:t>
-            </a:r>
-            <a:r>
-              <a:rPr lang="en-CA" sz="3200" dirty="0" smtClean="0">
-                <a:solidFill>
-                  <a:srgbClr val="FF0000"/>
-                </a:solidFill>
-                <a:latin typeface="Calibri Light" panose="020F0302020204030204"/>
-              </a:rPr>
-              <a:t>READING MATERIAL</a:t>
+              <a:t>ADDITIONAL READING MATERIAL</a:t>
             </a:r>
             <a:endParaRPr lang="en-CA" sz="3200" dirty="0">
               <a:solidFill>
@@ -7216,11 +7147,7 @@
           <a:p>
             <a:r>
               <a:rPr lang="en-CA" sz="2000" dirty="0" smtClean="0"/>
-              <a:t>Additional Resources, Page #</a:t>
-            </a:r>
-            <a:r>
-              <a:rPr lang="en-CA" sz="2000" dirty="0" smtClean="0"/>
-              <a:t>255: </a:t>
+              <a:t>Additional Resources, Page #255: </a:t>
             </a:r>
             <a:r>
               <a:rPr lang="en-CA" sz="2000" dirty="0" smtClean="0">
@@ -7253,36 +7180,6 @@
           </a:p>
         </p:txBody>
       </p:sp>
-      <p:pic>
-        <p:nvPicPr>
-          <p:cNvPr id="5" name="Picture 4"/>
-          <p:cNvPicPr>
-            <a:picLocks noChangeAspect="1"/>
-          </p:cNvPicPr>
-          <p:nvPr/>
-        </p:nvPicPr>
-        <p:blipFill>
-          <a:blip r:embed="rId4" cstate="print">
-            <a:extLst>
-              <a:ext uri="{28A0092B-C50C-407E-A947-70E740481C1C}">
-                <a14:useLocalDpi xmlns:a14="http://schemas.microsoft.com/office/drawing/2010/main" val="0"/>
-              </a:ext>
-            </a:extLst>
-          </a:blip>
-          <a:stretch>
-            <a:fillRect/>
-          </a:stretch>
-        </p:blipFill>
-        <p:spPr>
-          <a:xfrm>
-            <a:off x="10183836" y="46470"/>
-            <a:ext cx="1918332" cy="1172730"/>
-          </a:xfrm>
-          <a:prstGeom prst="rect">
-            <a:avLst/>
-          </a:prstGeom>
-        </p:spPr>
-      </p:pic>
       <p:pic>
         <p:nvPicPr>
           <p:cNvPr id="2" name="Picture 1"/>
@@ -7292,7 +7189,7 @@
           <p:nvPr/>
         </p:nvPicPr>
         <p:blipFill>
-          <a:blip r:embed="rId5"/>
+          <a:blip r:embed="rId4"/>
           <a:stretch>
             <a:fillRect/>
           </a:stretch>
@@ -7468,15 +7365,7 @@
           <a:p>
             <a:r>
               <a:rPr lang="en-CA" sz="2000" dirty="0" smtClean="0"/>
-              <a:t>Additional Resources, Page #</a:t>
-            </a:r>
-            <a:r>
-              <a:rPr lang="en-CA" sz="2000" dirty="0" smtClean="0"/>
-              <a:t>320</a:t>
-            </a:r>
-            <a:r>
-              <a:rPr lang="en-CA" sz="2000" dirty="0" smtClean="0"/>
-              <a:t>: </a:t>
+              <a:t>Additional Resources, Page #320: </a:t>
             </a:r>
           </a:p>
           <a:p>
@@ -7485,31 +7374,31 @@
             </a:pPr>
             <a:r>
               <a:rPr lang="en-CA" sz="2000" dirty="0" smtClean="0">
-                <a:hlinkClick r:id="rId6"/>
+                <a:hlinkClick r:id="rId5"/>
               </a:rPr>
               <a:t>http</a:t>
             </a:r>
             <a:r>
               <a:rPr lang="en-CA" sz="2000" dirty="0">
-                <a:hlinkClick r:id="rId6"/>
+                <a:hlinkClick r:id="rId5"/>
               </a:rPr>
               <a:t>://</a:t>
             </a:r>
             <a:r>
               <a:rPr lang="en-CA" sz="2000" dirty="0" smtClean="0">
-                <a:hlinkClick r:id="rId6"/>
+                <a:hlinkClick r:id="rId5"/>
               </a:rPr>
               <a:t>www-bcf.usc.edu</a:t>
             </a:r>
             <a:r>
               <a:rPr lang="en-CA" sz="2000" dirty="0">
-                <a:hlinkClick r:id="rId6"/>
+                <a:hlinkClick r:id="rId5"/>
               </a:rPr>
               <a:t>/~</a:t>
             </a:r>
             <a:r>
               <a:rPr lang="en-CA" sz="2000" dirty="0" smtClean="0">
-                <a:hlinkClick r:id="rId6"/>
+                <a:hlinkClick r:id="rId5"/>
               </a:rPr>
               <a:t>gareth/ISL/ISLR%20Seventh%20Printing.pdf</a:t>
             </a:r>
@@ -7535,7 +7424,7 @@
           <p:nvPr/>
         </p:nvPicPr>
         <p:blipFill>
-          <a:blip r:embed="rId7"/>
+          <a:blip r:embed="rId6"/>
           <a:stretch>
             <a:fillRect/>
           </a:stretch>
